--- a/test/pptx/incremental-lists/with-flag/templated.pptx
+++ b/test/pptx/incremental-lists/with-flag/templated.pptx
@@ -5775,35 +5775,35 @@
           <a:bodyPr/>
           <a:lstStyle/>
           <a:p>
-            <a:pPr lvl="1"/>
+            <a:pPr lvl="0"/>
             <a:r>
               <a:rPr/>
               <a:t>These</a:t>
             </a:r>
           </a:p>
           <a:p>
-            <a:pPr lvl="1"/>
+            <a:pPr lvl="0"/>
             <a:r>
               <a:rPr/>
               <a:t>bullets</a:t>
             </a:r>
           </a:p>
           <a:p>
-            <a:pPr lvl="1"/>
+            <a:pPr lvl="0"/>
             <a:r>
               <a:rPr/>
               <a:t>should</a:t>
             </a:r>
           </a:p>
           <a:p>
-            <a:pPr lvl="1"/>
+            <a:pPr lvl="0"/>
             <a:r>
               <a:rPr/>
               <a:t>be</a:t>
             </a:r>
           </a:p>
           <a:p>
-            <a:pPr lvl="1"/>
+            <a:pPr lvl="0"/>
             <a:r>
               <a:rPr/>
               <a:t>incremental</a:t>
@@ -6151,28 +6151,28 @@
           <a:bodyPr/>
           <a:lstStyle/>
           <a:p>
-            <a:pPr lvl="1"/>
+            <a:pPr lvl="0"/>
             <a:r>
               <a:rPr/>
               <a:t>these</a:t>
             </a:r>
           </a:p>
           <a:p>
-            <a:pPr lvl="1"/>
+            <a:pPr lvl="0"/>
             <a:r>
               <a:rPr/>
               <a:t>are</a:t>
             </a:r>
           </a:p>
           <a:p>
-            <a:pPr lvl="1"/>
+            <a:pPr lvl="0"/>
             <a:r>
               <a:rPr/>
               <a:t>incremental</a:t>
             </a:r>
           </a:p>
           <a:p>
-            <a:pPr lvl="1"/>
+            <a:pPr lvl="0"/>
             <a:r>
               <a:rPr/>
               <a:t>(the incremental class wins)</a:t>
@@ -6480,21 +6480,21 @@
             </a:r>
           </a:p>
           <a:p>
-            <a:pPr lvl="1"/>
+            <a:pPr lvl="0"/>
             <a:r>
               <a:rPr/>
               <a:t>one</a:t>
             </a:r>
           </a:p>
           <a:p>
-            <a:pPr lvl="1"/>
+            <a:pPr lvl="0"/>
             <a:r>
               <a:rPr/>
               <a:t>two</a:t>
             </a:r>
           </a:p>
           <a:p>
-            <a:pPr lvl="1"/>
+            <a:pPr lvl="0"/>
             <a:r>
               <a:rPr/>
               <a:t>three</a:t>
@@ -6510,21 +6510,21 @@
             </a:r>
           </a:p>
           <a:p>
-            <a:pPr lvl="1"/>
+            <a:pPr lvl="0"/>
             <a:r>
               <a:rPr/>
               <a:t>one</a:t>
             </a:r>
           </a:p>
           <a:p>
-            <a:pPr lvl="1"/>
+            <a:pPr lvl="0"/>
             <a:r>
               <a:rPr/>
               <a:t>two</a:t>
             </a:r>
           </a:p>
           <a:p>
-            <a:pPr lvl="1"/>
+            <a:pPr lvl="0"/>
             <a:r>
               <a:rPr/>
               <a:t>three</a:t>
@@ -6540,21 +6540,21 @@
             </a:r>
           </a:p>
           <a:p>
-            <a:pPr lvl="1"/>
+            <a:pPr lvl="0"/>
             <a:r>
               <a:rPr sz="2000"/>
               <a:t>one</a:t>
             </a:r>
           </a:p>
           <a:p>
-            <a:pPr lvl="1"/>
+            <a:pPr lvl="0"/>
             <a:r>
               <a:rPr sz="2000"/>
               <a:t>two</a:t>
             </a:r>
           </a:p>
           <a:p>
-            <a:pPr lvl="1"/>
+            <a:pPr lvl="0"/>
             <a:r>
               <a:rPr sz="2000"/>
               <a:t>three</a:t>
@@ -6804,42 +6804,42 @@
           <a:bodyPr/>
           <a:lstStyle/>
           <a:p>
-            <a:pPr lvl="1"/>
+            <a:pPr lvl="0"/>
             <a:r>
               <a:rPr/>
               <a:t>these</a:t>
             </a:r>
           </a:p>
           <a:p>
-            <a:pPr lvl="1"/>
+            <a:pPr lvl="0"/>
             <a:r>
               <a:rPr/>
               <a:t>are</a:t>
             </a:r>
           </a:p>
           <a:p>
-            <a:pPr lvl="1"/>
+            <a:pPr lvl="0"/>
             <a:r>
               <a:rPr/>
               <a:t>incremental</a:t>
             </a:r>
           </a:p>
           <a:p>
-            <a:pPr lvl="1"/>
+            <a:pPr lvl="0"/>
             <a:r>
               <a:rPr/>
               <a:t>these</a:t>
             </a:r>
           </a:p>
           <a:p>
-            <a:pPr lvl="1"/>
+            <a:pPr lvl="0"/>
             <a:r>
               <a:rPr/>
               <a:t>are</a:t>
             </a:r>
           </a:p>
           <a:p>
-            <a:pPr lvl="1"/>
+            <a:pPr lvl="0"/>
             <a:r>
               <a:rPr/>
               <a:t>not</a:t>
@@ -7089,21 +7089,21 @@
           <a:bodyPr/>
           <a:lstStyle/>
           <a:p>
-            <a:pPr lvl="1"/>
+            <a:pPr lvl="0"/>
             <a:r>
               <a:rPr/>
               <a:t>as</a:t>
             </a:r>
           </a:p>
           <a:p>
-            <a:pPr lvl="1"/>
+            <a:pPr lvl="0"/>
             <a:r>
               <a:rPr/>
               <a:t>should</a:t>
             </a:r>
           </a:p>
           <a:p>
-            <a:pPr lvl="1"/>
+            <a:pPr lvl="0"/>
             <a:r>
               <a:rPr/>
               <a:t>these</a:t>
@@ -7362,21 +7362,21 @@
             </a:r>
           </a:p>
           <a:p>
-            <a:pPr lvl="1"/>
+            <a:pPr lvl="0"/>
             <a:r>
               <a:rPr/>
               <a:t>also</a:t>
             </a:r>
           </a:p>
           <a:p>
-            <a:pPr lvl="1"/>
+            <a:pPr lvl="0"/>
             <a:r>
               <a:rPr/>
               <a:t>be</a:t>
             </a:r>
           </a:p>
           <a:p>
-            <a:pPr lvl="1"/>
+            <a:pPr lvl="0"/>
             <a:r>
               <a:rPr/>
               <a:t>incremental</a:t>
@@ -7626,7 +7626,7 @@
           <a:bodyPr/>
           <a:lstStyle/>
           <a:p>
-            <a:pPr lvl="1">
+            <a:pPr lvl="0">
               <a:buAutoNum type="arabicPeriod"/>
             </a:pPr>
             <a:r>
@@ -7635,7 +7635,7 @@
             </a:r>
           </a:p>
           <a:p>
-            <a:pPr lvl="1">
+            <a:pPr lvl="0">
               <a:buAutoNum type="arabicPeriod"/>
             </a:pPr>
             <a:r>
@@ -7644,7 +7644,7 @@
             </a:r>
           </a:p>
           <a:p>
-            <a:pPr lvl="1">
+            <a:pPr lvl="0">
               <a:buAutoNum type="arabicPeriod"/>
             </a:pPr>
             <a:r>
@@ -7662,21 +7662,21 @@
             </a:r>
           </a:p>
           <a:p>
-            <a:pPr lvl="1"/>
+            <a:pPr lvl="0"/>
             <a:r>
               <a:rPr/>
               <a:t>But</a:t>
             </a:r>
           </a:p>
           <a:p>
-            <a:pPr lvl="1"/>
+            <a:pPr lvl="0"/>
             <a:r>
               <a:rPr/>
               <a:t>these</a:t>
             </a:r>
           </a:p>
           <a:p>
-            <a:pPr lvl="1"/>
+            <a:pPr lvl="0"/>
             <a:r>
               <a:rPr/>
               <a:t>are</a:t>
@@ -8082,21 +8082,21 @@
             </a:r>
           </a:p>
           <a:p>
-            <a:pPr lvl="1"/>
+            <a:pPr lvl="0"/>
             <a:r>
               <a:rPr/>
               <a:t>one</a:t>
             </a:r>
           </a:p>
           <a:p>
-            <a:pPr lvl="1"/>
+            <a:pPr lvl="0"/>
             <a:r>
               <a:rPr/>
               <a:t>by</a:t>
             </a:r>
           </a:p>
           <a:p>
-            <a:pPr lvl="1"/>
+            <a:pPr lvl="0"/>
             <a:r>
               <a:rPr/>
               <a:t>one</a:t>
@@ -8137,21 +8137,21 @@
             </a:r>
           </a:p>
           <a:p>
-            <a:pPr lvl="1"/>
+            <a:pPr lvl="0"/>
             <a:r>
               <a:rPr/>
               <a:t>one</a:t>
             </a:r>
           </a:p>
           <a:p>
-            <a:pPr lvl="1"/>
+            <a:pPr lvl="0"/>
             <a:r>
               <a:rPr/>
               <a:t>by</a:t>
             </a:r>
           </a:p>
           <a:p>
-            <a:pPr lvl="1"/>
+            <a:pPr lvl="0"/>
             <a:r>
               <a:rPr/>
               <a:t>one</a:t>
@@ -8618,21 +8618,21 @@
           <a:bodyPr/>
           <a:lstStyle/>
           <a:p>
-            <a:pPr lvl="1"/>
+            <a:pPr lvl="0"/>
             <a:r>
               <a:rPr/>
               <a:t>An</a:t>
             </a:r>
           </a:p>
           <a:p>
-            <a:pPr lvl="1"/>
+            <a:pPr lvl="0"/>
             <a:r>
               <a:rPr/>
               <a:t>Incremental</a:t>
             </a:r>
           </a:p>
           <a:p>
-            <a:pPr lvl="1"/>
+            <a:pPr lvl="0"/>
             <a:r>
               <a:rPr/>
               <a:t>List</a:t>
@@ -8896,21 +8896,21 @@
             </a:r>
           </a:p>
           <a:p>
-            <a:pPr lvl="1"/>
+            <a:pPr lvl="0"/>
             <a:r>
               <a:rPr/>
               <a:t>one</a:t>
             </a:r>
           </a:p>
           <a:p>
-            <a:pPr lvl="1"/>
+            <a:pPr lvl="0"/>
             <a:r>
               <a:rPr/>
               <a:t>two</a:t>
             </a:r>
           </a:p>
           <a:p>
-            <a:pPr lvl="1"/>
+            <a:pPr lvl="0"/>
             <a:r>
               <a:rPr/>
               <a:t>three</a:t>
@@ -9234,21 +9234,21 @@
           <a:bodyPr/>
           <a:lstStyle/>
           <a:p>
-            <a:pPr lvl="1"/>
+            <a:pPr lvl="0"/>
             <a:r>
               <a:rPr/>
               <a:t>one</a:t>
             </a:r>
           </a:p>
           <a:p>
-            <a:pPr lvl="1"/>
+            <a:pPr lvl="0"/>
             <a:r>
               <a:rPr/>
               <a:t>two</a:t>
             </a:r>
           </a:p>
           <a:p>
-            <a:pPr lvl="1"/>
+            <a:pPr lvl="0"/>
             <a:r>
               <a:rPr/>
               <a:t>three</a:t>
@@ -9331,7 +9331,7 @@
           <a:bodyPr/>
           <a:lstStyle/>
           <a:p>
-            <a:pPr lvl="1">
+            <a:pPr lvl="0">
               <a:buAutoNum type="arabicPeriod"/>
             </a:pPr>
             <a:r>
@@ -9340,7 +9340,7 @@
             </a:r>
           </a:p>
           <a:p>
-            <a:pPr lvl="1">
+            <a:pPr lvl="0">
               <a:buAutoNum type="arabicPeriod"/>
             </a:pPr>
             <a:r>
@@ -9349,7 +9349,7 @@
             </a:r>
           </a:p>
           <a:p>
-            <a:pPr lvl="1">
+            <a:pPr lvl="0">
               <a:buAutoNum type="arabicPeriod"/>
             </a:pPr>
             <a:r>
@@ -9811,42 +9811,42 @@
           <a:bodyPr/>
           <a:lstStyle/>
           <a:p>
-            <a:pPr lvl="1"/>
+            <a:pPr lvl="0"/>
             <a:r>
               <a:rPr/>
               <a:t>these</a:t>
             </a:r>
           </a:p>
           <a:p>
-            <a:pPr lvl="1"/>
+            <a:pPr lvl="0"/>
             <a:r>
               <a:rPr/>
               <a:t>are</a:t>
             </a:r>
           </a:p>
           <a:p>
-            <a:pPr lvl="1"/>
+            <a:pPr lvl="0"/>
             <a:r>
               <a:rPr/>
               <a:t>not</a:t>
             </a:r>
           </a:p>
           <a:p>
-            <a:pPr lvl="1"/>
+            <a:pPr lvl="0"/>
             <a:r>
               <a:rPr/>
               <a:t>incremental</a:t>
             </a:r>
           </a:p>
           <a:p>
-            <a:pPr lvl="1"/>
+            <a:pPr lvl="0"/>
             <a:r>
               <a:rPr/>
               <a:t>these</a:t>
             </a:r>
           </a:p>
           <a:p>
-            <a:pPr lvl="1"/>
+            <a:pPr lvl="0"/>
             <a:r>
               <a:rPr/>
               <a:t>are</a:t>

--- a/test/pptx/incremental-lists/with-flag/templated.pptx
+++ b/test/pptx/incremental-lists/with-flag/templated.pptx
@@ -5750,7 +5750,7 @@
           <a:bodyPr/>
           <a:lstStyle/>
           <a:p>
-            <a:pPr lvl="0" marL="0" indent="0">
+            <a:pPr lvl="0" indent="0" marL="0">
               <a:buNone/>
             </a:pPr>
             <a:r>
@@ -6126,7 +6126,7 @@
           <a:bodyPr/>
           <a:lstStyle/>
           <a:p>
-            <a:pPr lvl="0" marL="0" indent="0">
+            <a:pPr lvl="0" indent="0" marL="0">
               <a:buNone/>
             </a:pPr>
             <a:r>
@@ -6446,7 +6446,7 @@
           <a:bodyPr/>
           <a:lstStyle/>
           <a:p>
-            <a:pPr lvl="0" marL="0" indent="0">
+            <a:pPr lvl="0" indent="0" marL="0">
               <a:buNone/>
             </a:pPr>
             <a:r>
@@ -6471,7 +6471,7 @@
           <a:bodyPr/>
           <a:lstStyle/>
           <a:p>
-            <a:pPr lvl="0" marL="0" indent="0">
+            <a:pPr lvl="0" indent="0" marL="0">
               <a:buNone/>
             </a:pPr>
             <a:r>
@@ -6501,7 +6501,7 @@
             </a:r>
           </a:p>
           <a:p>
-            <a:pPr lvl="0" marL="0" indent="0">
+            <a:pPr lvl="0" indent="0" marL="0">
               <a:buNone/>
             </a:pPr>
             <a:r>
@@ -6531,7 +6531,7 @@
             </a:r>
           </a:p>
           <a:p>
-            <a:pPr lvl="0" marL="0" indent="0">
+            <a:pPr lvl="0" indent="0" marL="0">
               <a:buNone/>
             </a:pPr>
             <a:r>
@@ -6779,7 +6779,7 @@
           <a:bodyPr/>
           <a:lstStyle/>
           <a:p>
-            <a:pPr lvl="0" marL="0" indent="0">
+            <a:pPr lvl="0" indent="0" marL="0">
               <a:buNone/>
             </a:pPr>
             <a:r>
@@ -7064,7 +7064,7 @@
           <a:bodyPr/>
           <a:lstStyle/>
           <a:p>
-            <a:pPr lvl="0" marL="0" indent="0">
+            <a:pPr lvl="0" indent="0" marL="0">
               <a:buNone/>
             </a:pPr>
             <a:r>
@@ -7328,7 +7328,7 @@
           <a:bodyPr/>
           <a:lstStyle/>
           <a:p>
-            <a:pPr lvl="0" marL="0" indent="0">
+            <a:pPr lvl="0" indent="0" marL="0">
               <a:buNone/>
             </a:pPr>
             <a:r>
@@ -7353,7 +7353,7 @@
           <a:bodyPr/>
           <a:lstStyle/>
           <a:p>
-            <a:pPr lvl="0" marL="0" indent="0">
+            <a:pPr lvl="0" indent="0" marL="0">
               <a:buNone/>
             </a:pPr>
             <a:r>
@@ -7601,7 +7601,7 @@
           <a:bodyPr/>
           <a:lstStyle/>
           <a:p>
-            <a:pPr lvl="0" marL="0" indent="0">
+            <a:pPr lvl="0" indent="0" marL="0">
               <a:buNone/>
             </a:pPr>
             <a:r>
@@ -7626,7 +7626,7 @@
           <a:bodyPr/>
           <a:lstStyle/>
           <a:p>
-            <a:pPr lvl="0">
+            <a:pPr lvl="0" indent="-457200" marL="457200">
               <a:buAutoNum type="arabicPeriod"/>
             </a:pPr>
             <a:r>
@@ -7635,7 +7635,7 @@
             </a:r>
           </a:p>
           <a:p>
-            <a:pPr lvl="0">
+            <a:pPr lvl="0" indent="-457200" marL="457200">
               <a:buAutoNum type="arabicPeriod"/>
             </a:pPr>
             <a:r>
@@ -7644,7 +7644,7 @@
             </a:r>
           </a:p>
           <a:p>
-            <a:pPr lvl="0">
+            <a:pPr lvl="0" indent="-457200" marL="457200">
               <a:buAutoNum type="arabicPeriod"/>
             </a:pPr>
             <a:r>
@@ -7653,7 +7653,7 @@
             </a:r>
           </a:p>
           <a:p>
-            <a:pPr lvl="0" marL="0" indent="0">
+            <a:pPr lvl="0" indent="0" marL="0">
               <a:buNone/>
             </a:pPr>
             <a:r>
@@ -8048,7 +8048,7 @@
           <a:bodyPr/>
           <a:lstStyle/>
           <a:p>
-            <a:pPr lvl="0" marL="0" indent="0">
+            <a:pPr lvl="0" indent="0" marL="0">
               <a:buNone/>
             </a:pPr>
             <a:r>
@@ -8073,7 +8073,7 @@
           <a:bodyPr/>
           <a:lstStyle/>
           <a:p>
-            <a:pPr lvl="0" marL="0" indent="0">
+            <a:pPr lvl="0" indent="0" marL="0">
               <a:buNone/>
             </a:pPr>
             <a:r>
@@ -8103,7 +8103,7 @@
             </a:r>
           </a:p>
           <a:p>
-            <a:pPr lvl="0" marL="0" indent="0">
+            <a:pPr lvl="0" indent="0" marL="0">
               <a:buNone/>
             </a:pPr>
             <a:r>
@@ -8128,7 +8128,7 @@
           <a:bodyPr/>
           <a:lstStyle/>
           <a:p>
-            <a:pPr lvl="0" marL="0" indent="0">
+            <a:pPr lvl="0" indent="0" marL="0">
               <a:buNone/>
             </a:pPr>
             <a:r>
@@ -8158,7 +8158,7 @@
             </a:r>
           </a:p>
           <a:p>
-            <a:pPr lvl="0" marL="0" indent="0">
+            <a:pPr lvl="0" indent="0" marL="0">
               <a:buNone/>
             </a:pPr>
             <a:r>
@@ -8533,7 +8533,7 @@
           <a:bodyPr/>
           <a:lstStyle/>
           <a:p>
-            <a:pPr lvl="0" marL="0" indent="0">
+            <a:pPr lvl="0" indent="0" marL="0">
               <a:buNone/>
             </a:pPr>
             <a:r>
@@ -8593,7 +8593,7 @@
           <a:bodyPr/>
           <a:lstStyle/>
           <a:p>
-            <a:pPr lvl="0" marL="0" indent="0" algn="ctr">
+            <a:pPr lvl="0" indent="0" marL="0" algn="ctr">
               <a:buNone/>
             </a:pPr>
             <a:r>
@@ -8862,7 +8862,7 @@
           <a:bodyPr/>
           <a:lstStyle/>
           <a:p>
-            <a:pPr lvl="0" marL="0" indent="0">
+            <a:pPr lvl="0" indent="0" marL="0">
               <a:buNone/>
             </a:pPr>
             <a:r>
@@ -8887,7 +8887,7 @@
           <a:bodyPr/>
           <a:lstStyle/>
           <a:p>
-            <a:pPr lvl="0" marL="0" indent="0">
+            <a:pPr lvl="0" indent="0" marL="0">
               <a:buNone/>
             </a:pPr>
             <a:r>
@@ -8917,7 +8917,7 @@
             </a:r>
           </a:p>
           <a:p>
-            <a:pPr lvl="0" marL="0" indent="0">
+            <a:pPr lvl="0" indent="0" marL="0">
               <a:buNone/>
             </a:pPr>
             <a:r>
@@ -8977,7 +8977,7 @@
           <a:bodyPr/>
           <a:lstStyle/>
           <a:p>
-            <a:pPr lvl="0" marL="0" indent="0" algn="ctr">
+            <a:pPr lvl="0" indent="0" marL="0" algn="ctr">
               <a:buNone/>
             </a:pPr>
             <a:r>
@@ -9209,7 +9209,7 @@
           <a:bodyPr/>
           <a:lstStyle/>
           <a:p>
-            <a:pPr lvl="0" marL="0" indent="0">
+            <a:pPr lvl="0" indent="0" marL="0">
               <a:buNone/>
             </a:pPr>
             <a:r>
@@ -9306,7 +9306,7 @@
           <a:bodyPr/>
           <a:lstStyle/>
           <a:p>
-            <a:pPr lvl="0" marL="0" indent="0" algn="ctr">
+            <a:pPr lvl="0" indent="0" marL="0" algn="ctr">
               <a:buNone/>
             </a:pPr>
             <a:r>
@@ -9331,7 +9331,7 @@
           <a:bodyPr/>
           <a:lstStyle/>
           <a:p>
-            <a:pPr lvl="0">
+            <a:pPr lvl="0" indent="-457200" marL="457200">
               <a:buAutoNum type="arabicPeriod"/>
             </a:pPr>
             <a:r>
@@ -9340,7 +9340,7 @@
             </a:r>
           </a:p>
           <a:p>
-            <a:pPr lvl="0">
+            <a:pPr lvl="0" indent="-457200" marL="457200">
               <a:buAutoNum type="arabicPeriod"/>
             </a:pPr>
             <a:r>
@@ -9349,7 +9349,7 @@
             </a:r>
           </a:p>
           <a:p>
-            <a:pPr lvl="0">
+            <a:pPr lvl="0" indent="-457200" marL="457200">
               <a:buAutoNum type="arabicPeriod"/>
             </a:pPr>
             <a:r>
@@ -9388,7 +9388,7 @@
                     <a:bodyPr/>
                     <a:lstStyle/>
                     <a:p>
-                      <a:pPr lvl="0" marL="0" indent="0">
+                      <a:pPr lvl="0" indent="0" marL="0">
                         <a:buNone/>
                       </a:pPr>
                       <a:r>
@@ -9406,7 +9406,7 @@
                     <a:bodyPr/>
                     <a:lstStyle/>
                     <a:p>
-                      <a:pPr lvl="0" marL="0" indent="0">
+                      <a:pPr lvl="0" indent="0" marL="0">
                         <a:buNone/>
                       </a:pPr>
                       <a:r>
@@ -9786,7 +9786,7 @@
           <a:bodyPr/>
           <a:lstStyle/>
           <a:p>
-            <a:pPr lvl="0" marL="0" indent="0">
+            <a:pPr lvl="0" indent="0" marL="0">
               <a:buNone/>
             </a:pPr>
             <a:r>

--- a/test/pptx/incremental-lists/with-flag/templated.pptx
+++ b/test/pptx/incremental-lists/with-flag/templated.pptx
@@ -5755,23 +5755,7 @@
             </a:pPr>
             <a:r>
               <a:rPr/>
-              <a:t>Slide</a:t>
-            </a:r>
-            <a:r>
-              <a:rPr/>
-              <a:t> </a:t>
-            </a:r>
-            <a:r>
-              <a:rPr/>
-              <a:t>1</a:t>
-            </a:r>
-            <a:r>
-              <a:rPr/>
-              <a:t> </a:t>
-            </a:r>
-            <a:r>
-              <a:rPr/>
-              <a:t>(Content)</a:t>
+              <a:t>Slide 1 (Content)</a:t>
             </a:r>
           </a:p>
         </p:txBody>
@@ -6147,23 +6131,7 @@
             </a:pPr>
             <a:r>
               <a:rPr/>
-              <a:t>Slide</a:t>
-            </a:r>
-            <a:r>
-              <a:rPr/>
-              <a:t> </a:t>
-            </a:r>
-            <a:r>
-              <a:rPr/>
-              <a:t>10</a:t>
-            </a:r>
-            <a:r>
-              <a:rPr/>
-              <a:t> </a:t>
-            </a:r>
-            <a:r>
-              <a:rPr/>
-              <a:t>(Content)</a:t>
+              <a:t>Slide 10 (Content)</a:t>
             </a:r>
           </a:p>
         </p:txBody>
@@ -6483,23 +6451,7 @@
             </a:pPr>
             <a:r>
               <a:rPr/>
-              <a:t>Slide</a:t>
-            </a:r>
-            <a:r>
-              <a:rPr/>
-              <a:t> </a:t>
-            </a:r>
-            <a:r>
-              <a:rPr/>
-              <a:t>11</a:t>
-            </a:r>
-            <a:r>
-              <a:rPr/>
-              <a:t> </a:t>
-            </a:r>
-            <a:r>
-              <a:rPr/>
-              <a:t>(Content)</a:t>
+              <a:t>Slide 11 (Content)</a:t>
             </a:r>
           </a:p>
         </p:txBody>
@@ -6832,23 +6784,7 @@
             </a:pPr>
             <a:r>
               <a:rPr/>
-              <a:t>Slide</a:t>
-            </a:r>
-            <a:r>
-              <a:rPr/>
-              <a:t> </a:t>
-            </a:r>
-            <a:r>
-              <a:rPr/>
-              <a:t>12</a:t>
-            </a:r>
-            <a:r>
-              <a:rPr/>
-              <a:t> </a:t>
-            </a:r>
-            <a:r>
-              <a:rPr/>
-              <a:t>(Content)</a:t>
+              <a:t>Slide 12 (Content)</a:t>
             </a:r>
           </a:p>
         </p:txBody>
@@ -7133,23 +7069,7 @@
             </a:pPr>
             <a:r>
               <a:rPr/>
-              <a:t>Slide</a:t>
-            </a:r>
-            <a:r>
-              <a:rPr/>
-              <a:t> </a:t>
-            </a:r>
-            <a:r>
-              <a:rPr/>
-              <a:t>2</a:t>
-            </a:r>
-            <a:r>
-              <a:rPr/>
-              <a:t> </a:t>
-            </a:r>
-            <a:r>
-              <a:rPr/>
-              <a:t>(Content)</a:t>
+              <a:t>Slide 2 (Content)</a:t>
             </a:r>
           </a:p>
         </p:txBody>
@@ -7413,23 +7333,7 @@
             </a:pPr>
             <a:r>
               <a:rPr/>
-              <a:t>Slide</a:t>
-            </a:r>
-            <a:r>
-              <a:rPr/>
-              <a:t> </a:t>
-            </a:r>
-            <a:r>
-              <a:rPr/>
-              <a:t>3</a:t>
-            </a:r>
-            <a:r>
-              <a:rPr/>
-              <a:t> </a:t>
-            </a:r>
-            <a:r>
-              <a:rPr/>
-              <a:t>(Content)</a:t>
+              <a:t>Slide 3 (Content)</a:t>
             </a:r>
           </a:p>
         </p:txBody>
@@ -7702,23 +7606,7 @@
             </a:pPr>
             <a:r>
               <a:rPr/>
-              <a:t>Slide</a:t>
-            </a:r>
-            <a:r>
-              <a:rPr/>
-              <a:t> </a:t>
-            </a:r>
-            <a:r>
-              <a:rPr/>
-              <a:t>4</a:t>
-            </a:r>
-            <a:r>
-              <a:rPr/>
-              <a:t> </a:t>
-            </a:r>
-            <a:r>
-              <a:rPr/>
-              <a:t>(Content)</a:t>
+              <a:t>Slide 4 (Content)</a:t>
             </a:r>
           </a:p>
         </p:txBody>
@@ -8165,31 +8053,7 @@
             </a:pPr>
             <a:r>
               <a:rPr/>
-              <a:t>Slide</a:t>
-            </a:r>
-            <a:r>
-              <a:rPr/>
-              <a:t> </a:t>
-            </a:r>
-            <a:r>
-              <a:rPr/>
-              <a:t>5</a:t>
-            </a:r>
-            <a:r>
-              <a:rPr/>
-              <a:t> </a:t>
-            </a:r>
-            <a:r>
-              <a:rPr/>
-              <a:t>(Two</a:t>
-            </a:r>
-            <a:r>
-              <a:rPr/>
-              <a:t> </a:t>
-            </a:r>
-            <a:r>
-              <a:rPr/>
-              <a:t>Content)</a:t>
+              <a:t>Slide 5 (Two Content)</a:t>
             </a:r>
           </a:p>
         </p:txBody>
@@ -8674,39 +8538,7 @@
             </a:pPr>
             <a:r>
               <a:rPr/>
-              <a:t>Slide</a:t>
-            </a:r>
-            <a:r>
-              <a:rPr/>
-              <a:t> </a:t>
-            </a:r>
-            <a:r>
-              <a:rPr/>
-              <a:t>6</a:t>
-            </a:r>
-            <a:r>
-              <a:rPr/>
-              <a:t> </a:t>
-            </a:r>
-            <a:r>
-              <a:rPr/>
-              <a:t>(Two</a:t>
-            </a:r>
-            <a:r>
-              <a:rPr/>
-              <a:t> </a:t>
-            </a:r>
-            <a:r>
-              <a:rPr/>
-              <a:t>Content</a:t>
-            </a:r>
-            <a:r>
-              <a:rPr/>
-              <a:t> </a:t>
-            </a:r>
-            <a:r>
-              <a:rPr/>
-              <a:t>Right)</a:t>
+              <a:t>Slide 6 (Two Content Right)</a:t>
             </a:r>
           </a:p>
         </p:txBody>
@@ -8766,15 +8598,7 @@
             </a:pPr>
             <a:r>
               <a:rPr/>
-              <a:t>an</a:t>
-            </a:r>
-            <a:r>
-              <a:rPr/>
-              <a:t> </a:t>
-            </a:r>
-            <a:r>
-              <a:rPr/>
-              <a:t>image</a:t>
+              <a:t>an image</a:t>
             </a:r>
           </a:p>
         </p:txBody>
@@ -9043,39 +8867,7 @@
             </a:pPr>
             <a:r>
               <a:rPr/>
-              <a:t>Slide</a:t>
-            </a:r>
-            <a:r>
-              <a:rPr/>
-              <a:t> </a:t>
-            </a:r>
-            <a:r>
-              <a:rPr/>
-              <a:t>7</a:t>
-            </a:r>
-            <a:r>
-              <a:rPr/>
-              <a:t> </a:t>
-            </a:r>
-            <a:r>
-              <a:rPr/>
-              <a:t>(Content</a:t>
-            </a:r>
-            <a:r>
-              <a:rPr/>
-              <a:t> </a:t>
-            </a:r>
-            <a:r>
-              <a:rPr/>
-              <a:t>with</a:t>
-            </a:r>
-            <a:r>
-              <a:rPr/>
-              <a:t> </a:t>
-            </a:r>
-            <a:r>
-              <a:rPr/>
-              <a:t>Caption)</a:t>
+              <a:t>Slide 7 (Content with Caption)</a:t>
             </a:r>
           </a:p>
         </p:txBody>
@@ -9190,15 +8982,7 @@
             </a:pPr>
             <a:r>
               <a:rPr/>
-              <a:t>An</a:t>
-            </a:r>
-            <a:r>
-              <a:rPr/>
-              <a:t> </a:t>
-            </a:r>
-            <a:r>
-              <a:rPr/>
-              <a:t>image</a:t>
+              <a:t>An image</a:t>
             </a:r>
           </a:p>
         </p:txBody>
@@ -9430,23 +9214,7 @@
             </a:pPr>
             <a:r>
               <a:rPr/>
-              <a:t>Slide</a:t>
-            </a:r>
-            <a:r>
-              <a:rPr/>
-              <a:t> </a:t>
-            </a:r>
-            <a:r>
-              <a:rPr/>
-              <a:t>8</a:t>
-            </a:r>
-            <a:r>
-              <a:rPr/>
-              <a:t> </a:t>
-            </a:r>
-            <a:r>
-              <a:rPr/>
-              <a:t>(Comparison)</a:t>
+              <a:t>Slide 8 (Comparison)</a:t>
             </a:r>
           </a:p>
         </p:txBody>
@@ -9543,15 +9311,7 @@
             </a:pPr>
             <a:r>
               <a:rPr/>
-              <a:t>An</a:t>
-            </a:r>
-            <a:r>
-              <a:rPr/>
-              <a:t> </a:t>
-            </a:r>
-            <a:r>
-              <a:rPr/>
-              <a:t>image</a:t>
+              <a:t>An image</a:t>
             </a:r>
           </a:p>
         </p:txBody>
@@ -10031,23 +9791,7 @@
             </a:pPr>
             <a:r>
               <a:rPr/>
-              <a:t>Slide</a:t>
-            </a:r>
-            <a:r>
-              <a:rPr/>
-              <a:t> </a:t>
-            </a:r>
-            <a:r>
-              <a:rPr/>
-              <a:t>9</a:t>
-            </a:r>
-            <a:r>
-              <a:rPr/>
-              <a:t> </a:t>
-            </a:r>
-            <a:r>
-              <a:rPr/>
-              <a:t>(Content)</a:t>
+              <a:t>Slide 9 (Content)</a:t>
             </a:r>
           </a:p>
         </p:txBody>

--- a/test/pptx/incremental-lists/with-flag/templated.pptx
+++ b/test/pptx/incremental-lists/with-flag/templated.pptx
@@ -5755,19 +5755,11 @@
             </a:pPr>
             <a:r>
               <a:rPr/>
-              <a:t>Slide</a:t>
-            </a:r>
-            <a:r>
-              <a:rPr/>
-              <a:t> </a:t>
-            </a:r>
-            <a:r>
-              <a:rPr/>
-              <a:t>1</a:t>
-            </a:r>
-            <a:r>
-              <a:rPr/>
-              <a:t> </a:t>
+              <a:t>Slide </a:t>
+            </a:r>
+            <a:r>
+              <a:rPr/>
+              <a:t>1 </a:t>
             </a:r>
             <a:r>
               <a:rPr/>
@@ -6147,19 +6139,11 @@
             </a:pPr>
             <a:r>
               <a:rPr/>
-              <a:t>Slide</a:t>
-            </a:r>
-            <a:r>
-              <a:rPr/>
-              <a:t> </a:t>
-            </a:r>
-            <a:r>
-              <a:rPr/>
-              <a:t>10</a:t>
-            </a:r>
-            <a:r>
-              <a:rPr/>
-              <a:t> </a:t>
+              <a:t>Slide </a:t>
+            </a:r>
+            <a:r>
+              <a:rPr/>
+              <a:t>10 </a:t>
             </a:r>
             <a:r>
               <a:rPr/>
@@ -6483,19 +6467,11 @@
             </a:pPr>
             <a:r>
               <a:rPr/>
-              <a:t>Slide</a:t>
-            </a:r>
-            <a:r>
-              <a:rPr/>
-              <a:t> </a:t>
-            </a:r>
-            <a:r>
-              <a:rPr/>
-              <a:t>11</a:t>
-            </a:r>
-            <a:r>
-              <a:rPr/>
-              <a:t> </a:t>
+              <a:t>Slide </a:t>
+            </a:r>
+            <a:r>
+              <a:rPr/>
+              <a:t>11 </a:t>
             </a:r>
             <a:r>
               <a:rPr/>
@@ -6832,19 +6808,11 @@
             </a:pPr>
             <a:r>
               <a:rPr/>
-              <a:t>Slide</a:t>
-            </a:r>
-            <a:r>
-              <a:rPr/>
-              <a:t> </a:t>
-            </a:r>
-            <a:r>
-              <a:rPr/>
-              <a:t>12</a:t>
-            </a:r>
-            <a:r>
-              <a:rPr/>
-              <a:t> </a:t>
+              <a:t>Slide </a:t>
+            </a:r>
+            <a:r>
+              <a:rPr/>
+              <a:t>12 </a:t>
             </a:r>
             <a:r>
               <a:rPr/>
@@ -7133,19 +7101,11 @@
             </a:pPr>
             <a:r>
               <a:rPr/>
-              <a:t>Slide</a:t>
-            </a:r>
-            <a:r>
-              <a:rPr/>
-              <a:t> </a:t>
-            </a:r>
-            <a:r>
-              <a:rPr/>
-              <a:t>2</a:t>
-            </a:r>
-            <a:r>
-              <a:rPr/>
-              <a:t> </a:t>
+              <a:t>Slide </a:t>
+            </a:r>
+            <a:r>
+              <a:rPr/>
+              <a:t>2 </a:t>
             </a:r>
             <a:r>
               <a:rPr/>
@@ -7413,19 +7373,11 @@
             </a:pPr>
             <a:r>
               <a:rPr/>
-              <a:t>Slide</a:t>
-            </a:r>
-            <a:r>
-              <a:rPr/>
-              <a:t> </a:t>
-            </a:r>
-            <a:r>
-              <a:rPr/>
-              <a:t>3</a:t>
-            </a:r>
-            <a:r>
-              <a:rPr/>
-              <a:t> </a:t>
+              <a:t>Slide </a:t>
+            </a:r>
+            <a:r>
+              <a:rPr/>
+              <a:t>3 </a:t>
             </a:r>
             <a:r>
               <a:rPr/>
@@ -7702,19 +7654,11 @@
             </a:pPr>
             <a:r>
               <a:rPr/>
-              <a:t>Slide</a:t>
-            </a:r>
-            <a:r>
-              <a:rPr/>
-              <a:t> </a:t>
-            </a:r>
-            <a:r>
-              <a:rPr/>
-              <a:t>4</a:t>
-            </a:r>
-            <a:r>
-              <a:rPr/>
-              <a:t> </a:t>
+              <a:t>Slide </a:t>
+            </a:r>
+            <a:r>
+              <a:rPr/>
+              <a:t>4 </a:t>
             </a:r>
             <a:r>
               <a:rPr/>
@@ -8165,27 +8109,15 @@
             </a:pPr>
             <a:r>
               <a:rPr/>
-              <a:t>Slide</a:t>
-            </a:r>
-            <a:r>
-              <a:rPr/>
-              <a:t> </a:t>
-            </a:r>
-            <a:r>
-              <a:rPr/>
-              <a:t>5</a:t>
-            </a:r>
-            <a:r>
-              <a:rPr/>
-              <a:t> </a:t>
-            </a:r>
-            <a:r>
-              <a:rPr/>
-              <a:t>(Two</a:t>
-            </a:r>
-            <a:r>
-              <a:rPr/>
-              <a:t> </a:t>
+              <a:t>Slide </a:t>
+            </a:r>
+            <a:r>
+              <a:rPr/>
+              <a:t>5 </a:t>
+            </a:r>
+            <a:r>
+              <a:rPr/>
+              <a:t>(Two </a:t>
             </a:r>
             <a:r>
               <a:rPr/>
@@ -8674,35 +8606,19 @@
             </a:pPr>
             <a:r>
               <a:rPr/>
-              <a:t>Slide</a:t>
-            </a:r>
-            <a:r>
-              <a:rPr/>
-              <a:t> </a:t>
-            </a:r>
-            <a:r>
-              <a:rPr/>
-              <a:t>6</a:t>
-            </a:r>
-            <a:r>
-              <a:rPr/>
-              <a:t> </a:t>
-            </a:r>
-            <a:r>
-              <a:rPr/>
-              <a:t>(Two</a:t>
-            </a:r>
-            <a:r>
-              <a:rPr/>
-              <a:t> </a:t>
-            </a:r>
-            <a:r>
-              <a:rPr/>
-              <a:t>Content</a:t>
-            </a:r>
-            <a:r>
-              <a:rPr/>
-              <a:t> </a:t>
+              <a:t>Slide </a:t>
+            </a:r>
+            <a:r>
+              <a:rPr/>
+              <a:t>6 </a:t>
+            </a:r>
+            <a:r>
+              <a:rPr/>
+              <a:t>(Two </a:t>
+            </a:r>
+            <a:r>
+              <a:rPr/>
+              <a:t>Content </a:t>
             </a:r>
             <a:r>
               <a:rPr/>
@@ -8766,11 +8682,7 @@
             </a:pPr>
             <a:r>
               <a:rPr/>
-              <a:t>an</a:t>
-            </a:r>
-            <a:r>
-              <a:rPr/>
-              <a:t> </a:t>
+              <a:t>an </a:t>
             </a:r>
             <a:r>
               <a:rPr/>
@@ -9043,35 +8955,19 @@
             </a:pPr>
             <a:r>
               <a:rPr/>
-              <a:t>Slide</a:t>
-            </a:r>
-            <a:r>
-              <a:rPr/>
-              <a:t> </a:t>
-            </a:r>
-            <a:r>
-              <a:rPr/>
-              <a:t>7</a:t>
-            </a:r>
-            <a:r>
-              <a:rPr/>
-              <a:t> </a:t>
-            </a:r>
-            <a:r>
-              <a:rPr/>
-              <a:t>(Content</a:t>
-            </a:r>
-            <a:r>
-              <a:rPr/>
-              <a:t> </a:t>
-            </a:r>
-            <a:r>
-              <a:rPr/>
-              <a:t>with</a:t>
-            </a:r>
-            <a:r>
-              <a:rPr/>
-              <a:t> </a:t>
+              <a:t>Slide </a:t>
+            </a:r>
+            <a:r>
+              <a:rPr/>
+              <a:t>7 </a:t>
+            </a:r>
+            <a:r>
+              <a:rPr/>
+              <a:t>(Content </a:t>
+            </a:r>
+            <a:r>
+              <a:rPr/>
+              <a:t>with </a:t>
             </a:r>
             <a:r>
               <a:rPr/>
@@ -9190,11 +9086,7 @@
             </a:pPr>
             <a:r>
               <a:rPr/>
-              <a:t>An</a:t>
-            </a:r>
-            <a:r>
-              <a:rPr/>
-              <a:t> </a:t>
+              <a:t>An </a:t>
             </a:r>
             <a:r>
               <a:rPr/>
@@ -9430,19 +9322,11 @@
             </a:pPr>
             <a:r>
               <a:rPr/>
-              <a:t>Slide</a:t>
-            </a:r>
-            <a:r>
-              <a:rPr/>
-              <a:t> </a:t>
-            </a:r>
-            <a:r>
-              <a:rPr/>
-              <a:t>8</a:t>
-            </a:r>
-            <a:r>
-              <a:rPr/>
-              <a:t> </a:t>
+              <a:t>Slide </a:t>
+            </a:r>
+            <a:r>
+              <a:rPr/>
+              <a:t>8 </a:t>
             </a:r>
             <a:r>
               <a:rPr/>
@@ -9543,11 +9427,7 @@
             </a:pPr>
             <a:r>
               <a:rPr/>
-              <a:t>An</a:t>
-            </a:r>
-            <a:r>
-              <a:rPr/>
-              <a:t> </a:t>
+              <a:t>An </a:t>
             </a:r>
             <a:r>
               <a:rPr/>
@@ -10031,19 +9911,11 @@
             </a:pPr>
             <a:r>
               <a:rPr/>
-              <a:t>Slide</a:t>
-            </a:r>
-            <a:r>
-              <a:rPr/>
-              <a:t> </a:t>
-            </a:r>
-            <a:r>
-              <a:rPr/>
-              <a:t>9</a:t>
-            </a:r>
-            <a:r>
-              <a:rPr/>
-              <a:t> </a:t>
+              <a:t>Slide </a:t>
+            </a:r>
+            <a:r>
+              <a:rPr/>
+              <a:t>9 </a:t>
             </a:r>
             <a:r>
               <a:rPr/>

--- a/test/pptx/incremental-lists/with-flag/templated.pptx
+++ b/test/pptx/incremental-lists/with-flag/templated.pptx
@@ -5755,11 +5755,19 @@
             </a:pPr>
             <a:r>
               <a:rPr/>
-              <a:t>Slide </a:t>
-            </a:r>
-            <a:r>
-              <a:rPr/>
-              <a:t>1 </a:t>
+              <a:t>Slide</a:t>
+            </a:r>
+            <a:r>
+              <a:rPr/>
+              <a:t> </a:t>
+            </a:r>
+            <a:r>
+              <a:rPr/>
+              <a:t>1</a:t>
+            </a:r>
+            <a:r>
+              <a:rPr/>
+              <a:t> </a:t>
             </a:r>
             <a:r>
               <a:rPr/>
@@ -6139,11 +6147,19 @@
             </a:pPr>
             <a:r>
               <a:rPr/>
-              <a:t>Slide </a:t>
-            </a:r>
-            <a:r>
-              <a:rPr/>
-              <a:t>10 </a:t>
+              <a:t>Slide</a:t>
+            </a:r>
+            <a:r>
+              <a:rPr/>
+              <a:t> </a:t>
+            </a:r>
+            <a:r>
+              <a:rPr/>
+              <a:t>10</a:t>
+            </a:r>
+            <a:r>
+              <a:rPr/>
+              <a:t> </a:t>
             </a:r>
             <a:r>
               <a:rPr/>
@@ -6467,11 +6483,19 @@
             </a:pPr>
             <a:r>
               <a:rPr/>
-              <a:t>Slide </a:t>
-            </a:r>
-            <a:r>
-              <a:rPr/>
-              <a:t>11 </a:t>
+              <a:t>Slide</a:t>
+            </a:r>
+            <a:r>
+              <a:rPr/>
+              <a:t> </a:t>
+            </a:r>
+            <a:r>
+              <a:rPr/>
+              <a:t>11</a:t>
+            </a:r>
+            <a:r>
+              <a:rPr/>
+              <a:t> </a:t>
             </a:r>
             <a:r>
               <a:rPr/>
@@ -6808,11 +6832,19 @@
             </a:pPr>
             <a:r>
               <a:rPr/>
-              <a:t>Slide </a:t>
-            </a:r>
-            <a:r>
-              <a:rPr/>
-              <a:t>12 </a:t>
+              <a:t>Slide</a:t>
+            </a:r>
+            <a:r>
+              <a:rPr/>
+              <a:t> </a:t>
+            </a:r>
+            <a:r>
+              <a:rPr/>
+              <a:t>12</a:t>
+            </a:r>
+            <a:r>
+              <a:rPr/>
+              <a:t> </a:t>
             </a:r>
             <a:r>
               <a:rPr/>
@@ -7101,11 +7133,19 @@
             </a:pPr>
             <a:r>
               <a:rPr/>
-              <a:t>Slide </a:t>
-            </a:r>
-            <a:r>
-              <a:rPr/>
-              <a:t>2 </a:t>
+              <a:t>Slide</a:t>
+            </a:r>
+            <a:r>
+              <a:rPr/>
+              <a:t> </a:t>
+            </a:r>
+            <a:r>
+              <a:rPr/>
+              <a:t>2</a:t>
+            </a:r>
+            <a:r>
+              <a:rPr/>
+              <a:t> </a:t>
             </a:r>
             <a:r>
               <a:rPr/>
@@ -7373,11 +7413,19 @@
             </a:pPr>
             <a:r>
               <a:rPr/>
-              <a:t>Slide </a:t>
-            </a:r>
-            <a:r>
-              <a:rPr/>
-              <a:t>3 </a:t>
+              <a:t>Slide</a:t>
+            </a:r>
+            <a:r>
+              <a:rPr/>
+              <a:t> </a:t>
+            </a:r>
+            <a:r>
+              <a:rPr/>
+              <a:t>3</a:t>
+            </a:r>
+            <a:r>
+              <a:rPr/>
+              <a:t> </a:t>
             </a:r>
             <a:r>
               <a:rPr/>
@@ -7654,11 +7702,19 @@
             </a:pPr>
             <a:r>
               <a:rPr/>
-              <a:t>Slide </a:t>
-            </a:r>
-            <a:r>
-              <a:rPr/>
-              <a:t>4 </a:t>
+              <a:t>Slide</a:t>
+            </a:r>
+            <a:r>
+              <a:rPr/>
+              <a:t> </a:t>
+            </a:r>
+            <a:r>
+              <a:rPr/>
+              <a:t>4</a:t>
+            </a:r>
+            <a:r>
+              <a:rPr/>
+              <a:t> </a:t>
             </a:r>
             <a:r>
               <a:rPr/>
@@ -8109,15 +8165,27 @@
             </a:pPr>
             <a:r>
               <a:rPr/>
-              <a:t>Slide </a:t>
-            </a:r>
-            <a:r>
-              <a:rPr/>
-              <a:t>5 </a:t>
-            </a:r>
-            <a:r>
-              <a:rPr/>
-              <a:t>(Two </a:t>
+              <a:t>Slide</a:t>
+            </a:r>
+            <a:r>
+              <a:rPr/>
+              <a:t> </a:t>
+            </a:r>
+            <a:r>
+              <a:rPr/>
+              <a:t>5</a:t>
+            </a:r>
+            <a:r>
+              <a:rPr/>
+              <a:t> </a:t>
+            </a:r>
+            <a:r>
+              <a:rPr/>
+              <a:t>(Two</a:t>
+            </a:r>
+            <a:r>
+              <a:rPr/>
+              <a:t> </a:t>
             </a:r>
             <a:r>
               <a:rPr/>
@@ -8606,19 +8674,35 @@
             </a:pPr>
             <a:r>
               <a:rPr/>
-              <a:t>Slide </a:t>
-            </a:r>
-            <a:r>
-              <a:rPr/>
-              <a:t>6 </a:t>
-            </a:r>
-            <a:r>
-              <a:rPr/>
-              <a:t>(Two </a:t>
-            </a:r>
-            <a:r>
-              <a:rPr/>
-              <a:t>Content </a:t>
+              <a:t>Slide</a:t>
+            </a:r>
+            <a:r>
+              <a:rPr/>
+              <a:t> </a:t>
+            </a:r>
+            <a:r>
+              <a:rPr/>
+              <a:t>6</a:t>
+            </a:r>
+            <a:r>
+              <a:rPr/>
+              <a:t> </a:t>
+            </a:r>
+            <a:r>
+              <a:rPr/>
+              <a:t>(Two</a:t>
+            </a:r>
+            <a:r>
+              <a:rPr/>
+              <a:t> </a:t>
+            </a:r>
+            <a:r>
+              <a:rPr/>
+              <a:t>Content</a:t>
+            </a:r>
+            <a:r>
+              <a:rPr/>
+              <a:t> </a:t>
             </a:r>
             <a:r>
               <a:rPr/>
@@ -8682,7 +8766,11 @@
             </a:pPr>
             <a:r>
               <a:rPr/>
-              <a:t>an </a:t>
+              <a:t>an</a:t>
+            </a:r>
+            <a:r>
+              <a:rPr/>
+              <a:t> </a:t>
             </a:r>
             <a:r>
               <a:rPr/>
@@ -8955,19 +9043,35 @@
             </a:pPr>
             <a:r>
               <a:rPr/>
-              <a:t>Slide </a:t>
-            </a:r>
-            <a:r>
-              <a:rPr/>
-              <a:t>7 </a:t>
-            </a:r>
-            <a:r>
-              <a:rPr/>
-              <a:t>(Content </a:t>
-            </a:r>
-            <a:r>
-              <a:rPr/>
-              <a:t>with </a:t>
+              <a:t>Slide</a:t>
+            </a:r>
+            <a:r>
+              <a:rPr/>
+              <a:t> </a:t>
+            </a:r>
+            <a:r>
+              <a:rPr/>
+              <a:t>7</a:t>
+            </a:r>
+            <a:r>
+              <a:rPr/>
+              <a:t> </a:t>
+            </a:r>
+            <a:r>
+              <a:rPr/>
+              <a:t>(Content</a:t>
+            </a:r>
+            <a:r>
+              <a:rPr/>
+              <a:t> </a:t>
+            </a:r>
+            <a:r>
+              <a:rPr/>
+              <a:t>with</a:t>
+            </a:r>
+            <a:r>
+              <a:rPr/>
+              <a:t> </a:t>
             </a:r>
             <a:r>
               <a:rPr/>
@@ -9086,7 +9190,11 @@
             </a:pPr>
             <a:r>
               <a:rPr/>
-              <a:t>An </a:t>
+              <a:t>An</a:t>
+            </a:r>
+            <a:r>
+              <a:rPr/>
+              <a:t> </a:t>
             </a:r>
             <a:r>
               <a:rPr/>
@@ -9322,11 +9430,19 @@
             </a:pPr>
             <a:r>
               <a:rPr/>
-              <a:t>Slide </a:t>
-            </a:r>
-            <a:r>
-              <a:rPr/>
-              <a:t>8 </a:t>
+              <a:t>Slide</a:t>
+            </a:r>
+            <a:r>
+              <a:rPr/>
+              <a:t> </a:t>
+            </a:r>
+            <a:r>
+              <a:rPr/>
+              <a:t>8</a:t>
+            </a:r>
+            <a:r>
+              <a:rPr/>
+              <a:t> </a:t>
             </a:r>
             <a:r>
               <a:rPr/>
@@ -9427,7 +9543,11 @@
             </a:pPr>
             <a:r>
               <a:rPr/>
-              <a:t>An </a:t>
+              <a:t>An</a:t>
+            </a:r>
+            <a:r>
+              <a:rPr/>
+              <a:t> </a:t>
             </a:r>
             <a:r>
               <a:rPr/>
@@ -9911,11 +10031,19 @@
             </a:pPr>
             <a:r>
               <a:rPr/>
-              <a:t>Slide </a:t>
-            </a:r>
-            <a:r>
-              <a:rPr/>
-              <a:t>9 </a:t>
+              <a:t>Slide</a:t>
+            </a:r>
+            <a:r>
+              <a:rPr/>
+              <a:t> </a:t>
+            </a:r>
+            <a:r>
+              <a:rPr/>
+              <a:t>9</a:t>
+            </a:r>
+            <a:r>
+              <a:rPr/>
+              <a:t> </a:t>
             </a:r>
             <a:r>
               <a:rPr/>
